--- a/Project 2 (Group 4).pptx
+++ b/Project 2 (Group 4).pptx
@@ -7,12 +7,12 @@
   <p:sldIdLst>
     <p:sldId id="256" r:id="rId2"/>
     <p:sldId id="257" r:id="rId3"/>
-    <p:sldId id="261" r:id="rId4"/>
-    <p:sldId id="258" r:id="rId5"/>
-    <p:sldId id="259" r:id="rId6"/>
-    <p:sldId id="263" r:id="rId7"/>
-    <p:sldId id="260" r:id="rId8"/>
-    <p:sldId id="262" r:id="rId9"/>
+    <p:sldId id="263" r:id="rId4"/>
+    <p:sldId id="260" r:id="rId5"/>
+    <p:sldId id="262" r:id="rId6"/>
+    <p:sldId id="264" r:id="rId7"/>
+    <p:sldId id="265" r:id="rId8"/>
+    <p:sldId id="266" r:id="rId9"/>
   </p:sldIdLst>
   <p:sldSz cx="12192000" cy="6858000"/>
   <p:notesSz cx="6858000" cy="9144000"/>
@@ -17720,7 +17720,7 @@
                   <a:schemeClr val="bg1"/>
                 </a:solidFill>
               </a:rPr>
-              <a:t>We will be looking at the home sales of Austin and San Antonio from 2008 through now and compare it to the national sales during the same time period. </a:t>
+              <a:t>We will be looking at the home sales of Austin and San Antonio from 2008 on through scrapes from MongoDB and </a:t>
             </a:r>
           </a:p>
         </p:txBody>
@@ -17799,10 +17799,98 @@
       </p:grpSpPr>
       <p:pic>
         <p:nvPicPr>
-          <p:cNvPr id="4098" name="Picture 2">
+          <p:cNvPr id="3" name="Content Placeholder 6" descr="A picture containing sky, outdoor, river, city&#10;&#10;Description automatically generated">
             <a:extLst>
               <a:ext uri="{FF2B5EF4-FFF2-40B4-BE49-F238E27FC236}">
-                <a16:creationId xmlns:a16="http://schemas.microsoft.com/office/drawing/2014/main" id="{01D0E6A5-C018-FD98-C361-FC0600FF945E}"/>
+                <a16:creationId xmlns:a16="http://schemas.microsoft.com/office/drawing/2014/main" id="{D7576A19-02A0-FC30-148C-18D04311F070}"/>
+              </a:ext>
+            </a:extLst>
+          </p:cNvPr>
+          <p:cNvPicPr>
+            <a:picLocks noChangeAspect="1"/>
+          </p:cNvPicPr>
+          <p:nvPr/>
+        </p:nvPicPr>
+        <p:blipFill>
+          <a:blip r:embed="rId2"/>
+          <a:stretch>
+            <a:fillRect/>
+          </a:stretch>
+        </p:blipFill>
+        <p:spPr>
+          <a:xfrm>
+            <a:off x="0" y="-58872"/>
+            <a:ext cx="12191999" cy="6930829"/>
+          </a:xfrm>
+          <a:prstGeom prst="rect">
+            <a:avLst/>
+          </a:prstGeom>
+        </p:spPr>
+      </p:pic>
+      <p:sp>
+        <p:nvSpPr>
+          <p:cNvPr id="2" name="Title 1">
+            <a:extLst>
+              <a:ext uri="{FF2B5EF4-FFF2-40B4-BE49-F238E27FC236}">
+                <a16:creationId xmlns:a16="http://schemas.microsoft.com/office/drawing/2014/main" id="{9F72AE8E-FA09-6DA6-DA37-2999B149A899}"/>
+              </a:ext>
+            </a:extLst>
+          </p:cNvPr>
+          <p:cNvSpPr>
+            <a:spLocks noGrp="1"/>
+          </p:cNvSpPr>
+          <p:nvPr>
+            <p:ph type="title"/>
+          </p:nvPr>
+        </p:nvSpPr>
+        <p:spPr/>
+        <p:txBody>
+          <a:bodyPr/>
+          <a:lstStyle/>
+          <a:p>
+            <a:r>
+              <a:rPr lang="en-US" dirty="0"/>
+              <a:t>Austin VS Texas</a:t>
+            </a:r>
+          </a:p>
+        </p:txBody>
+      </p:sp>
+    </p:spTree>
+    <p:extLst>
+      <p:ext uri="{BB962C8B-B14F-4D97-AF65-F5344CB8AC3E}">
+        <p14:creationId xmlns:p14="http://schemas.microsoft.com/office/powerpoint/2010/main" val="2541410779"/>
+      </p:ext>
+    </p:extLst>
+  </p:cSld>
+  <p:clrMapOvr>
+    <a:masterClrMapping/>
+  </p:clrMapOvr>
+</p:sld>
+</file>
+
+<file path=ppt/slides/slide4.xml><?xml version="1.0" encoding="utf-8"?>
+<p:sld xmlns:a="http://schemas.openxmlformats.org/drawingml/2006/main" xmlns:r="http://schemas.openxmlformats.org/officeDocument/2006/relationships" xmlns:p="http://schemas.openxmlformats.org/presentationml/2006/main">
+  <p:cSld>
+    <p:spTree>
+      <p:nvGrpSpPr>
+        <p:cNvPr id="1" name=""/>
+        <p:cNvGrpSpPr/>
+        <p:nvPr/>
+      </p:nvGrpSpPr>
+      <p:grpSpPr>
+        <a:xfrm>
+          <a:off x="0" y="0"/>
+          <a:ext cx="0" cy="0"/>
+          <a:chOff x="0" y="0"/>
+          <a:chExt cx="0" cy="0"/>
+        </a:xfrm>
+      </p:grpSpPr>
+      <p:pic>
+        <p:nvPicPr>
+          <p:cNvPr id="4" name="Picture 2">
+            <a:extLst>
+              <a:ext uri="{FF2B5EF4-FFF2-40B4-BE49-F238E27FC236}">
+                <a16:creationId xmlns:a16="http://schemas.microsoft.com/office/drawing/2014/main" id="{ABC404AC-66C0-DC73-27F4-BB82EBEA6765}"/>
               </a:ext>
             </a:extLst>
           </p:cNvPr>
@@ -17849,236 +17937,7 @@
           <p:cNvPr id="2" name="Title 1">
             <a:extLst>
               <a:ext uri="{FF2B5EF4-FFF2-40B4-BE49-F238E27FC236}">
-                <a16:creationId xmlns:a16="http://schemas.microsoft.com/office/drawing/2014/main" id="{DCD64D72-B253-6535-F703-98C8D477B1AE}"/>
-              </a:ext>
-            </a:extLst>
-          </p:cNvPr>
-          <p:cNvSpPr>
-            <a:spLocks noGrp="1"/>
-          </p:cNvSpPr>
-          <p:nvPr>
-            <p:ph type="title"/>
-          </p:nvPr>
-        </p:nvSpPr>
-        <p:spPr>
-          <a:solidFill>
-            <a:schemeClr val="bg1">
-              <a:alpha val="54959"/>
-            </a:schemeClr>
-          </a:solidFill>
-        </p:spPr>
-        <p:txBody>
-          <a:bodyPr/>
-          <a:lstStyle/>
-          <a:p>
-            <a:r>
-              <a:rPr lang="en-US" dirty="0"/>
-              <a:t>Increase In Price</a:t>
-            </a:r>
-          </a:p>
-        </p:txBody>
-      </p:sp>
-      <p:sp>
-        <p:nvSpPr>
-          <p:cNvPr id="3" name="Content Placeholder 2">
-            <a:extLst>
-              <a:ext uri="{FF2B5EF4-FFF2-40B4-BE49-F238E27FC236}">
-                <a16:creationId xmlns:a16="http://schemas.microsoft.com/office/drawing/2014/main" id="{DE9C756A-BA28-76D7-4AB7-06AC37A08CCD}"/>
-              </a:ext>
-            </a:extLst>
-          </p:cNvPr>
-          <p:cNvSpPr>
-            <a:spLocks noGrp="1"/>
-          </p:cNvSpPr>
-          <p:nvPr>
-            <p:ph idx="1"/>
-          </p:nvPr>
-        </p:nvSpPr>
-        <p:spPr>
-          <a:solidFill>
-            <a:srgbClr val="7D8080">
-              <a:alpha val="71413"/>
-            </a:srgbClr>
-          </a:solidFill>
-        </p:spPr>
-        <p:txBody>
-          <a:bodyPr/>
-          <a:lstStyle/>
-          <a:p>
-            <a:endParaRPr lang="en-US" dirty="0"/>
-          </a:p>
-        </p:txBody>
-      </p:sp>
-    </p:spTree>
-    <p:extLst>
-      <p:ext uri="{BB962C8B-B14F-4D97-AF65-F5344CB8AC3E}">
-        <p14:creationId xmlns:p14="http://schemas.microsoft.com/office/powerpoint/2010/main" val="888616102"/>
-      </p:ext>
-    </p:extLst>
-  </p:cSld>
-  <p:clrMapOvr>
-    <a:masterClrMapping/>
-  </p:clrMapOvr>
-</p:sld>
-</file>
-
-<file path=ppt/slides/slide4.xml><?xml version="1.0" encoding="utf-8"?>
-<p:sld xmlns:a="http://schemas.openxmlformats.org/drawingml/2006/main" xmlns:r="http://schemas.openxmlformats.org/officeDocument/2006/relationships" xmlns:p="http://schemas.openxmlformats.org/presentationml/2006/main">
-  <p:cSld>
-    <p:spTree>
-      <p:nvGrpSpPr>
-        <p:cNvPr id="1" name=""/>
-        <p:cNvGrpSpPr/>
-        <p:nvPr/>
-      </p:nvGrpSpPr>
-      <p:grpSpPr>
-        <a:xfrm>
-          <a:off x="0" y="0"/>
-          <a:ext cx="0" cy="0"/>
-          <a:chOff x="0" y="0"/>
-          <a:chExt cx="0" cy="0"/>
-        </a:xfrm>
-      </p:grpSpPr>
-      <p:pic>
-        <p:nvPicPr>
-          <p:cNvPr id="7" name="Content Placeholder 6" descr="A picture containing sky, outdoor, river, city&#10;&#10;Description automatically generated">
-            <a:extLst>
-              <a:ext uri="{FF2B5EF4-FFF2-40B4-BE49-F238E27FC236}">
-                <a16:creationId xmlns:a16="http://schemas.microsoft.com/office/drawing/2014/main" id="{E176C440-9C6B-77F6-1721-924041F67C93}"/>
-              </a:ext>
-            </a:extLst>
-          </p:cNvPr>
-          <p:cNvPicPr>
-            <a:picLocks noGrp="1" noChangeAspect="1"/>
-          </p:cNvPicPr>
-          <p:nvPr>
-            <p:ph idx="1"/>
-          </p:nvPr>
-        </p:nvPicPr>
-        <p:blipFill>
-          <a:blip r:embed="rId2"/>
-          <a:stretch>
-            <a:fillRect/>
-          </a:stretch>
-        </p:blipFill>
-        <p:spPr>
-          <a:xfrm>
-            <a:off x="0" y="-58872"/>
-            <a:ext cx="12191999" cy="6930829"/>
-          </a:xfrm>
-        </p:spPr>
-      </p:pic>
-      <p:sp>
-        <p:nvSpPr>
-          <p:cNvPr id="2" name="Title 1">
-            <a:extLst>
-              <a:ext uri="{FF2B5EF4-FFF2-40B4-BE49-F238E27FC236}">
-                <a16:creationId xmlns:a16="http://schemas.microsoft.com/office/drawing/2014/main" id="{28A32461-9106-ECC5-D582-25F3A0A01960}"/>
-              </a:ext>
-            </a:extLst>
-          </p:cNvPr>
-          <p:cNvSpPr>
-            <a:spLocks noGrp="1"/>
-          </p:cNvSpPr>
-          <p:nvPr>
-            <p:ph type="title"/>
-          </p:nvPr>
-        </p:nvSpPr>
-        <p:spPr/>
-        <p:txBody>
-          <a:bodyPr/>
-          <a:lstStyle/>
-          <a:p>
-            <a:r>
-              <a:rPr lang="en-US" dirty="0"/>
-              <a:t>Austin VS The US</a:t>
-            </a:r>
-          </a:p>
-        </p:txBody>
-      </p:sp>
-    </p:spTree>
-    <p:extLst>
-      <p:ext uri="{BB962C8B-B14F-4D97-AF65-F5344CB8AC3E}">
-        <p14:creationId xmlns:p14="http://schemas.microsoft.com/office/powerpoint/2010/main" val="1579677704"/>
-      </p:ext>
-    </p:extLst>
-  </p:cSld>
-  <p:clrMapOvr>
-    <a:masterClrMapping/>
-  </p:clrMapOvr>
-</p:sld>
-</file>
-
-<file path=ppt/slides/slide5.xml><?xml version="1.0" encoding="utf-8"?>
-<p:sld xmlns:a="http://schemas.openxmlformats.org/drawingml/2006/main" xmlns:r="http://schemas.openxmlformats.org/officeDocument/2006/relationships" xmlns:p="http://schemas.openxmlformats.org/presentationml/2006/main">
-  <p:cSld>
-    <p:spTree>
-      <p:nvGrpSpPr>
-        <p:cNvPr id="1" name=""/>
-        <p:cNvGrpSpPr/>
-        <p:nvPr/>
-      </p:nvGrpSpPr>
-      <p:grpSpPr>
-        <a:xfrm>
-          <a:off x="0" y="0"/>
-          <a:ext cx="0" cy="0"/>
-          <a:chOff x="0" y="0"/>
-          <a:chExt cx="0" cy="0"/>
-        </a:xfrm>
-      </p:grpSpPr>
-      <p:pic>
-        <p:nvPicPr>
-          <p:cNvPr id="2050" name="Picture 2">
-            <a:extLst>
-              <a:ext uri="{FF2B5EF4-FFF2-40B4-BE49-F238E27FC236}">
-                <a16:creationId xmlns:a16="http://schemas.microsoft.com/office/drawing/2014/main" id="{3D9F4EA3-7BD3-1E9F-8887-399601003414}"/>
-              </a:ext>
-            </a:extLst>
-          </p:cNvPr>
-          <p:cNvPicPr>
-            <a:picLocks noChangeAspect="1" noChangeArrowheads="1"/>
-          </p:cNvPicPr>
-          <p:nvPr/>
-        </p:nvPicPr>
-        <p:blipFill>
-          <a:blip r:embed="rId2">
-            <a:extLst>
-              <a:ext uri="{28A0092B-C50C-407E-A947-70E740481C1C}">
-                <a14:useLocalDpi xmlns:a14="http://schemas.microsoft.com/office/drawing/2010/main" val="0"/>
-              </a:ext>
-            </a:extLst>
-          </a:blip>
-          <a:srcRect/>
-          <a:stretch>
-            <a:fillRect/>
-          </a:stretch>
-        </p:blipFill>
-        <p:spPr bwMode="auto">
-          <a:xfrm>
-            <a:off x="0" y="0"/>
-            <a:ext cx="12192000" cy="6858000"/>
-          </a:xfrm>
-          <a:prstGeom prst="rect">
-            <a:avLst/>
-          </a:prstGeom>
-          <a:noFill/>
-          <a:extLst>
-            <a:ext uri="{909E8E84-426E-40DD-AFC4-6F175D3DCCD1}">
-              <a14:hiddenFill xmlns:a14="http://schemas.microsoft.com/office/drawing/2010/main">
-                <a:solidFill>
-                  <a:srgbClr val="FFFFFF"/>
-                </a:solidFill>
-              </a14:hiddenFill>
-            </a:ext>
-          </a:extLst>
-        </p:spPr>
-      </p:pic>
-      <p:sp>
-        <p:nvSpPr>
-          <p:cNvPr id="2" name="Title 1">
-            <a:extLst>
-              <a:ext uri="{FF2B5EF4-FFF2-40B4-BE49-F238E27FC236}">
-                <a16:creationId xmlns:a16="http://schemas.microsoft.com/office/drawing/2014/main" id="{9CE41B71-48C1-9E40-C508-1323B9AA956F}"/>
+                <a16:creationId xmlns:a16="http://schemas.microsoft.com/office/drawing/2014/main" id="{1A0C6F65-7478-D337-0E86-C544207C3BDB}"/>
               </a:ext>
             </a:extLst>
           </p:cNvPr>
@@ -18100,168 +17959,11 @@
                   <a:schemeClr val="bg1"/>
                 </a:solidFill>
               </a:rPr>
-              <a:t>San Antonio VS The US</a:t>
+              <a:t>San Antonio VS Texas</a:t>
             </a:r>
           </a:p>
         </p:txBody>
       </p:sp>
-    </p:spTree>
-    <p:extLst>
-      <p:ext uri="{BB962C8B-B14F-4D97-AF65-F5344CB8AC3E}">
-        <p14:creationId xmlns:p14="http://schemas.microsoft.com/office/powerpoint/2010/main" val="1699284943"/>
-      </p:ext>
-    </p:extLst>
-  </p:cSld>
-  <p:clrMapOvr>
-    <a:masterClrMapping/>
-  </p:clrMapOvr>
-</p:sld>
-</file>
-
-<file path=ppt/slides/slide6.xml><?xml version="1.0" encoding="utf-8"?>
-<p:sld xmlns:a="http://schemas.openxmlformats.org/drawingml/2006/main" xmlns:r="http://schemas.openxmlformats.org/officeDocument/2006/relationships" xmlns:p="http://schemas.openxmlformats.org/presentationml/2006/main">
-  <p:cSld>
-    <p:spTree>
-      <p:nvGrpSpPr>
-        <p:cNvPr id="1" name=""/>
-        <p:cNvGrpSpPr/>
-        <p:nvPr/>
-      </p:nvGrpSpPr>
-      <p:grpSpPr>
-        <a:xfrm>
-          <a:off x="0" y="0"/>
-          <a:ext cx="0" cy="0"/>
-          <a:chOff x="0" y="0"/>
-          <a:chExt cx="0" cy="0"/>
-        </a:xfrm>
-      </p:grpSpPr>
-      <p:sp>
-        <p:nvSpPr>
-          <p:cNvPr id="2" name="Title 1">
-            <a:extLst>
-              <a:ext uri="{FF2B5EF4-FFF2-40B4-BE49-F238E27FC236}">
-                <a16:creationId xmlns:a16="http://schemas.microsoft.com/office/drawing/2014/main" id="{9F72AE8E-FA09-6DA6-DA37-2999B149A899}"/>
-              </a:ext>
-            </a:extLst>
-          </p:cNvPr>
-          <p:cNvSpPr>
-            <a:spLocks noGrp="1"/>
-          </p:cNvSpPr>
-          <p:nvPr>
-            <p:ph type="title"/>
-          </p:nvPr>
-        </p:nvSpPr>
-        <p:spPr/>
-        <p:txBody>
-          <a:bodyPr/>
-          <a:lstStyle/>
-          <a:p>
-            <a:endParaRPr lang="en-US"/>
-          </a:p>
-        </p:txBody>
-      </p:sp>
-    </p:spTree>
-    <p:extLst>
-      <p:ext uri="{BB962C8B-B14F-4D97-AF65-F5344CB8AC3E}">
-        <p14:creationId xmlns:p14="http://schemas.microsoft.com/office/powerpoint/2010/main" val="2541410779"/>
-      </p:ext>
-    </p:extLst>
-  </p:cSld>
-  <p:clrMapOvr>
-    <a:masterClrMapping/>
-  </p:clrMapOvr>
-</p:sld>
-</file>
-
-<file path=ppt/slides/slide7.xml><?xml version="1.0" encoding="utf-8"?>
-<p:sld xmlns:a="http://schemas.openxmlformats.org/drawingml/2006/main" xmlns:r="http://schemas.openxmlformats.org/officeDocument/2006/relationships" xmlns:p="http://schemas.openxmlformats.org/presentationml/2006/main">
-  <p:cSld>
-    <p:spTree>
-      <p:nvGrpSpPr>
-        <p:cNvPr id="1" name=""/>
-        <p:cNvGrpSpPr/>
-        <p:nvPr/>
-      </p:nvGrpSpPr>
-      <p:grpSpPr>
-        <a:xfrm>
-          <a:off x="0" y="0"/>
-          <a:ext cx="0" cy="0"/>
-          <a:chOff x="0" y="0"/>
-          <a:chExt cx="0" cy="0"/>
-        </a:xfrm>
-      </p:grpSpPr>
-      <p:sp>
-        <p:nvSpPr>
-          <p:cNvPr id="2" name="Title 1">
-            <a:extLst>
-              <a:ext uri="{FF2B5EF4-FFF2-40B4-BE49-F238E27FC236}">
-                <a16:creationId xmlns:a16="http://schemas.microsoft.com/office/drawing/2014/main" id="{1A0C6F65-7478-D337-0E86-C544207C3BDB}"/>
-              </a:ext>
-            </a:extLst>
-          </p:cNvPr>
-          <p:cNvSpPr>
-            <a:spLocks noGrp="1"/>
-          </p:cNvSpPr>
-          <p:nvPr>
-            <p:ph type="title"/>
-          </p:nvPr>
-        </p:nvSpPr>
-        <p:spPr/>
-        <p:txBody>
-          <a:bodyPr/>
-          <a:lstStyle/>
-          <a:p>
-            <a:endParaRPr lang="en-US"/>
-          </a:p>
-        </p:txBody>
-      </p:sp>
-      <p:pic>
-        <p:nvPicPr>
-          <p:cNvPr id="3074" name="Picture 2">
-            <a:extLst>
-              <a:ext uri="{FF2B5EF4-FFF2-40B4-BE49-F238E27FC236}">
-                <a16:creationId xmlns:a16="http://schemas.microsoft.com/office/drawing/2014/main" id="{13ADB4A9-0ACD-934E-9D07-1CC012046D9D}"/>
-              </a:ext>
-            </a:extLst>
-          </p:cNvPr>
-          <p:cNvPicPr>
-            <a:picLocks noChangeAspect="1" noChangeArrowheads="1"/>
-          </p:cNvPicPr>
-          <p:nvPr/>
-        </p:nvPicPr>
-        <p:blipFill>
-          <a:blip r:embed="rId2">
-            <a:extLst>
-              <a:ext uri="{28A0092B-C50C-407E-A947-70E740481C1C}">
-                <a14:useLocalDpi xmlns:a14="http://schemas.microsoft.com/office/drawing/2010/main" val="0"/>
-              </a:ext>
-            </a:extLst>
-          </a:blip>
-          <a:srcRect/>
-          <a:stretch>
-            <a:fillRect/>
-          </a:stretch>
-        </p:blipFill>
-        <p:spPr bwMode="auto">
-          <a:xfrm>
-            <a:off x="0" y="0"/>
-            <a:ext cx="12192000" cy="6858000"/>
-          </a:xfrm>
-          <a:prstGeom prst="rect">
-            <a:avLst/>
-          </a:prstGeom>
-          <a:noFill/>
-          <a:extLst>
-            <a:ext uri="{909E8E84-426E-40DD-AFC4-6F175D3DCCD1}">
-              <a14:hiddenFill xmlns:a14="http://schemas.microsoft.com/office/drawing/2010/main">
-                <a:solidFill>
-                  <a:srgbClr val="FFFFFF"/>
-                </a:solidFill>
-              </a14:hiddenFill>
-            </a:ext>
-          </a:extLst>
-        </p:spPr>
-      </p:pic>
     </p:spTree>
     <p:extLst>
       <p:ext uri="{BB962C8B-B14F-4D97-AF65-F5344CB8AC3E}">
@@ -18275,7 +17977,7 @@
 </p:sld>
 </file>
 
-<file path=ppt/slides/slide8.xml><?xml version="1.0" encoding="utf-8"?>
+<file path=ppt/slides/slide5.xml><?xml version="1.0" encoding="utf-8"?>
 <p:sld xmlns:a="http://schemas.openxmlformats.org/drawingml/2006/main" xmlns:r="http://schemas.openxmlformats.org/officeDocument/2006/relationships" xmlns:p="http://schemas.openxmlformats.org/presentationml/2006/main">
   <p:cSld>
     <p:spTree>
@@ -18351,6 +18053,587 @@
     <p:extLst>
       <p:ext uri="{BB962C8B-B14F-4D97-AF65-F5344CB8AC3E}">
         <p14:creationId xmlns:p14="http://schemas.microsoft.com/office/powerpoint/2010/main" val="3461118251"/>
+      </p:ext>
+    </p:extLst>
+  </p:cSld>
+  <p:clrMapOvr>
+    <a:masterClrMapping/>
+  </p:clrMapOvr>
+</p:sld>
+</file>
+
+<file path=ppt/slides/slide6.xml><?xml version="1.0" encoding="utf-8"?>
+<p:sld xmlns:a="http://schemas.openxmlformats.org/drawingml/2006/main" xmlns:r="http://schemas.openxmlformats.org/officeDocument/2006/relationships" xmlns:p="http://schemas.openxmlformats.org/presentationml/2006/main">
+  <p:cSld>
+    <p:spTree>
+      <p:nvGrpSpPr>
+        <p:cNvPr id="1" name=""/>
+        <p:cNvGrpSpPr/>
+        <p:nvPr/>
+      </p:nvGrpSpPr>
+      <p:grpSpPr>
+        <a:xfrm>
+          <a:off x="0" y="0"/>
+          <a:ext cx="0" cy="0"/>
+          <a:chOff x="0" y="0"/>
+          <a:chExt cx="0" cy="0"/>
+        </a:xfrm>
+      </p:grpSpPr>
+      <p:pic>
+        <p:nvPicPr>
+          <p:cNvPr id="7" name="Picture 6" descr="A picture containing text, room, scene, gambling house&#10;&#10;Description automatically generated">
+            <a:extLst>
+              <a:ext uri="{FF2B5EF4-FFF2-40B4-BE49-F238E27FC236}">
+                <a16:creationId xmlns:a16="http://schemas.microsoft.com/office/drawing/2014/main" id="{9A57AEFF-50AB-DD39-D722-0800D10535F1}"/>
+              </a:ext>
+            </a:extLst>
+          </p:cNvPr>
+          <p:cNvPicPr>
+            <a:picLocks noChangeAspect="1"/>
+          </p:cNvPicPr>
+          <p:nvPr/>
+        </p:nvPicPr>
+        <p:blipFill>
+          <a:blip r:embed="rId2"/>
+          <a:stretch>
+            <a:fillRect/>
+          </a:stretch>
+        </p:blipFill>
+        <p:spPr>
+          <a:xfrm>
+            <a:off x="0" y="22860"/>
+            <a:ext cx="12192000" cy="6835140"/>
+          </a:xfrm>
+          <a:prstGeom prst="rect">
+            <a:avLst/>
+          </a:prstGeom>
+        </p:spPr>
+      </p:pic>
+      <p:pic>
+        <p:nvPicPr>
+          <p:cNvPr id="6" name="Picture 5" descr="A picture containing text, room, scene, gambling house&#10;&#10;Description automatically generated">
+            <a:extLst>
+              <a:ext uri="{FF2B5EF4-FFF2-40B4-BE49-F238E27FC236}">
+                <a16:creationId xmlns:a16="http://schemas.microsoft.com/office/drawing/2014/main" id="{013FC87D-A483-C093-DD6D-C6E463BA702E}"/>
+              </a:ext>
+            </a:extLst>
+          </p:cNvPr>
+          <p:cNvPicPr>
+            <a:picLocks noChangeAspect="1"/>
+          </p:cNvPicPr>
+          <p:nvPr/>
+        </p:nvPicPr>
+        <p:blipFill>
+          <a:blip r:embed="rId2"/>
+          <a:stretch>
+            <a:fillRect/>
+          </a:stretch>
+        </p:blipFill>
+        <p:spPr>
+          <a:xfrm>
+            <a:off x="5619750" y="3382717"/>
+            <a:ext cx="5734050" cy="3214652"/>
+          </a:xfrm>
+          <a:prstGeom prst="rect">
+            <a:avLst/>
+          </a:prstGeom>
+        </p:spPr>
+      </p:pic>
+      <p:sp>
+        <p:nvSpPr>
+          <p:cNvPr id="2" name="Title 1">
+            <a:extLst>
+              <a:ext uri="{FF2B5EF4-FFF2-40B4-BE49-F238E27FC236}">
+                <a16:creationId xmlns:a16="http://schemas.microsoft.com/office/drawing/2014/main" id="{70A1D410-6C6F-B82F-CE48-470CD49FA066}"/>
+              </a:ext>
+            </a:extLst>
+          </p:cNvPr>
+          <p:cNvSpPr>
+            <a:spLocks noGrp="1"/>
+          </p:cNvSpPr>
+          <p:nvPr>
+            <p:ph type="title"/>
+          </p:nvPr>
+        </p:nvSpPr>
+        <p:spPr>
+          <a:solidFill>
+            <a:srgbClr val="FFFFFF">
+              <a:alpha val="50980"/>
+            </a:srgbClr>
+          </a:solidFill>
+        </p:spPr>
+        <p:txBody>
+          <a:bodyPr/>
+          <a:lstStyle/>
+          <a:p>
+            <a:r>
+              <a:rPr lang="en-US" dirty="0"/>
+              <a:t>Extract</a:t>
+            </a:r>
+          </a:p>
+        </p:txBody>
+      </p:sp>
+      <p:sp>
+        <p:nvSpPr>
+          <p:cNvPr id="3" name="TextBox 2">
+            <a:extLst>
+              <a:ext uri="{FF2B5EF4-FFF2-40B4-BE49-F238E27FC236}">
+                <a16:creationId xmlns:a16="http://schemas.microsoft.com/office/drawing/2014/main" id="{D85DFEC2-4A3E-7D99-8BAB-39E2C45EC30A}"/>
+              </a:ext>
+            </a:extLst>
+          </p:cNvPr>
+          <p:cNvSpPr txBox="1"/>
+          <p:nvPr/>
+        </p:nvSpPr>
+        <p:spPr>
+          <a:xfrm>
+            <a:off x="838200" y="2032953"/>
+            <a:ext cx="10515600" cy="1085362"/>
+          </a:xfrm>
+          <a:prstGeom prst="rect">
+            <a:avLst/>
+          </a:prstGeom>
+          <a:solidFill>
+            <a:srgbClr val="FFFFFF">
+              <a:alpha val="74902"/>
+            </a:srgbClr>
+          </a:solidFill>
+        </p:spPr>
+        <p:txBody>
+          <a:bodyPr wrap="square" rtlCol="0">
+            <a:spAutoFit/>
+          </a:bodyPr>
+          <a:lstStyle/>
+          <a:p>
+            <a:pPr marL="285750" indent="-285750">
+              <a:buFont typeface="Arial" panose="020B0604020202020204" pitchFamily="34" charset="0"/>
+              <a:buChar char="•"/>
+            </a:pPr>
+            <a:r>
+              <a:rPr lang="en-US" sz="2400" dirty="0"/>
+              <a:t>We extracted tables from the Real Estate Center at Texas A&amp;M University</a:t>
+            </a:r>
+          </a:p>
+          <a:p>
+            <a:pPr marL="285750" indent="-285750">
+              <a:lnSpc>
+                <a:spcPct val="200000"/>
+              </a:lnSpc>
+              <a:buFont typeface="Arial" panose="020B0604020202020204" pitchFamily="34" charset="0"/>
+              <a:buChar char="•"/>
+            </a:pPr>
+            <a:r>
+              <a:rPr lang="en-US" sz="2400" dirty="0"/>
+              <a:t>We also extracted excel files from the United States Census Bureau</a:t>
+            </a:r>
+          </a:p>
+        </p:txBody>
+      </p:sp>
+      <p:pic>
+        <p:nvPicPr>
+          <p:cNvPr id="4" name="Picture 3">
+            <a:extLst>
+              <a:ext uri="{FF2B5EF4-FFF2-40B4-BE49-F238E27FC236}">
+                <a16:creationId xmlns:a16="http://schemas.microsoft.com/office/drawing/2014/main" id="{1FD41774-F3F7-8DB7-8802-8452801AB2A0}"/>
+              </a:ext>
+            </a:extLst>
+          </p:cNvPr>
+          <p:cNvPicPr>
+            <a:picLocks noChangeAspect="1"/>
+          </p:cNvPicPr>
+          <p:nvPr/>
+        </p:nvPicPr>
+        <p:blipFill>
+          <a:blip r:embed="rId3"/>
+          <a:stretch>
+            <a:fillRect/>
+          </a:stretch>
+        </p:blipFill>
+        <p:spPr>
+          <a:xfrm>
+            <a:off x="838200" y="3368675"/>
+            <a:ext cx="3213100" cy="3124200"/>
+          </a:xfrm>
+          <a:prstGeom prst="rect">
+            <a:avLst/>
+          </a:prstGeom>
+        </p:spPr>
+      </p:pic>
+      <p:pic>
+        <p:nvPicPr>
+          <p:cNvPr id="5122" name="Picture 2" descr="You can take the US Census 2020 online now - here's why you should ...">
+            <a:extLst>
+              <a:ext uri="{FF2B5EF4-FFF2-40B4-BE49-F238E27FC236}">
+                <a16:creationId xmlns:a16="http://schemas.microsoft.com/office/drawing/2014/main" id="{06F71E45-8BEE-2B7E-075D-9771BF1B9222}"/>
+              </a:ext>
+            </a:extLst>
+          </p:cNvPr>
+          <p:cNvPicPr>
+            <a:picLocks noChangeAspect="1" noChangeArrowheads="1"/>
+          </p:cNvPicPr>
+          <p:nvPr/>
+        </p:nvPicPr>
+        <p:blipFill>
+          <a:blip r:embed="rId4">
+            <a:extLst>
+              <a:ext uri="{28A0092B-C50C-407E-A947-70E740481C1C}">
+                <a14:useLocalDpi xmlns:a14="http://schemas.microsoft.com/office/drawing/2010/main" val="0"/>
+              </a:ext>
+            </a:extLst>
+          </a:blip>
+          <a:srcRect/>
+          <a:stretch>
+            <a:fillRect/>
+          </a:stretch>
+        </p:blipFill>
+        <p:spPr bwMode="auto">
+          <a:xfrm>
+            <a:off x="5619750" y="3368675"/>
+            <a:ext cx="5734050" cy="3185832"/>
+          </a:xfrm>
+          <a:prstGeom prst="rect">
+            <a:avLst/>
+          </a:prstGeom>
+          <a:noFill/>
+          <a:extLst>
+            <a:ext uri="{909E8E84-426E-40DD-AFC4-6F175D3DCCD1}">
+              <a14:hiddenFill xmlns:a14="http://schemas.microsoft.com/office/drawing/2010/main">
+                <a:solidFill>
+                  <a:srgbClr val="FFFFFF"/>
+                </a:solidFill>
+              </a14:hiddenFill>
+            </a:ext>
+          </a:extLst>
+        </p:spPr>
+      </p:pic>
+    </p:spTree>
+    <p:extLst>
+      <p:ext uri="{BB962C8B-B14F-4D97-AF65-F5344CB8AC3E}">
+        <p14:creationId xmlns:p14="http://schemas.microsoft.com/office/powerpoint/2010/main" val="2904287383"/>
+      </p:ext>
+    </p:extLst>
+  </p:cSld>
+  <p:clrMapOvr>
+    <a:masterClrMapping/>
+  </p:clrMapOvr>
+</p:sld>
+</file>
+
+<file path=ppt/slides/slide7.xml><?xml version="1.0" encoding="utf-8"?>
+<p:sld xmlns:a="http://schemas.openxmlformats.org/drawingml/2006/main" xmlns:r="http://schemas.openxmlformats.org/officeDocument/2006/relationships" xmlns:p="http://schemas.openxmlformats.org/presentationml/2006/main">
+  <p:cSld>
+    <p:spTree>
+      <p:nvGrpSpPr>
+        <p:cNvPr id="1" name=""/>
+        <p:cNvGrpSpPr/>
+        <p:nvPr/>
+      </p:nvGrpSpPr>
+      <p:grpSpPr>
+        <a:xfrm>
+          <a:off x="0" y="0"/>
+          <a:ext cx="0" cy="0"/>
+          <a:chOff x="0" y="0"/>
+          <a:chExt cx="0" cy="0"/>
+        </a:xfrm>
+      </p:grpSpPr>
+      <p:pic>
+        <p:nvPicPr>
+          <p:cNvPr id="6" name="Picture 5" descr="A picture containing text, room, scene, gambling house&#10;&#10;Description automatically generated">
+            <a:extLst>
+              <a:ext uri="{FF2B5EF4-FFF2-40B4-BE49-F238E27FC236}">
+                <a16:creationId xmlns:a16="http://schemas.microsoft.com/office/drawing/2014/main" id="{013FC87D-A483-C093-DD6D-C6E463BA702E}"/>
+              </a:ext>
+            </a:extLst>
+          </p:cNvPr>
+          <p:cNvPicPr>
+            <a:picLocks noChangeAspect="1"/>
+          </p:cNvPicPr>
+          <p:nvPr/>
+        </p:nvPicPr>
+        <p:blipFill>
+          <a:blip r:embed="rId2"/>
+          <a:stretch>
+            <a:fillRect/>
+          </a:stretch>
+        </p:blipFill>
+        <p:spPr>
+          <a:xfrm>
+            <a:off x="0" y="22860"/>
+            <a:ext cx="12192000" cy="6835140"/>
+          </a:xfrm>
+          <a:prstGeom prst="rect">
+            <a:avLst/>
+          </a:prstGeom>
+        </p:spPr>
+      </p:pic>
+      <p:sp>
+        <p:nvSpPr>
+          <p:cNvPr id="2" name="Title 1">
+            <a:extLst>
+              <a:ext uri="{FF2B5EF4-FFF2-40B4-BE49-F238E27FC236}">
+                <a16:creationId xmlns:a16="http://schemas.microsoft.com/office/drawing/2014/main" id="{70A1D410-6C6F-B82F-CE48-470CD49FA066}"/>
+              </a:ext>
+            </a:extLst>
+          </p:cNvPr>
+          <p:cNvSpPr>
+            <a:spLocks noGrp="1"/>
+          </p:cNvSpPr>
+          <p:nvPr>
+            <p:ph type="title"/>
+          </p:nvPr>
+        </p:nvSpPr>
+        <p:spPr/>
+        <p:txBody>
+          <a:bodyPr/>
+          <a:lstStyle/>
+          <a:p>
+            <a:r>
+              <a:rPr lang="en-US" dirty="0"/>
+              <a:t>Transform</a:t>
+            </a:r>
+          </a:p>
+        </p:txBody>
+      </p:sp>
+      <p:sp>
+        <p:nvSpPr>
+          <p:cNvPr id="4" name="TextBox 3">
+            <a:extLst>
+              <a:ext uri="{FF2B5EF4-FFF2-40B4-BE49-F238E27FC236}">
+                <a16:creationId xmlns:a16="http://schemas.microsoft.com/office/drawing/2014/main" id="{0491CCA4-BF49-C150-B967-E9FBD277E01E}"/>
+              </a:ext>
+            </a:extLst>
+          </p:cNvPr>
+          <p:cNvSpPr txBox="1"/>
+          <p:nvPr/>
+        </p:nvSpPr>
+        <p:spPr>
+          <a:xfrm>
+            <a:off x="1257300" y="2128838"/>
+            <a:ext cx="9043988" cy="2862322"/>
+          </a:xfrm>
+          <a:prstGeom prst="rect">
+            <a:avLst/>
+          </a:prstGeom>
+          <a:solidFill>
+            <a:srgbClr val="FFFFFF">
+              <a:alpha val="80000"/>
+            </a:srgbClr>
+          </a:solidFill>
+        </p:spPr>
+        <p:txBody>
+          <a:bodyPr wrap="square" rtlCol="0">
+            <a:spAutoFit/>
+          </a:bodyPr>
+          <a:lstStyle/>
+          <a:p>
+            <a:pPr marL="342900" indent="-342900">
+              <a:buFont typeface="Arial" panose="020B0604020202020204" pitchFamily="34" charset="0"/>
+              <a:buChar char="•"/>
+            </a:pPr>
+            <a:r>
+              <a:rPr lang="en-US" sz="3000" dirty="0"/>
+              <a:t>To scrape tables we used Beautiful Soup</a:t>
+            </a:r>
+          </a:p>
+          <a:p>
+            <a:pPr marL="342900" indent="-342900">
+              <a:buFont typeface="Arial" panose="020B0604020202020204" pitchFamily="34" charset="0"/>
+              <a:buChar char="•"/>
+            </a:pPr>
+            <a:endParaRPr lang="en-US" sz="3000" dirty="0"/>
+          </a:p>
+          <a:p>
+            <a:pPr marL="342900" indent="-342900">
+              <a:buFont typeface="Arial" panose="020B0604020202020204" pitchFamily="34" charset="0"/>
+              <a:buChar char="•"/>
+            </a:pPr>
+            <a:r>
+              <a:rPr lang="en-US" sz="3000" dirty="0"/>
+              <a:t>To import the csv file we used pandas</a:t>
+            </a:r>
+          </a:p>
+          <a:p>
+            <a:pPr marL="342900" indent="-342900">
+              <a:buFont typeface="Arial" panose="020B0604020202020204" pitchFamily="34" charset="0"/>
+              <a:buChar char="•"/>
+            </a:pPr>
+            <a:endParaRPr lang="en-US" sz="3000" dirty="0"/>
+          </a:p>
+          <a:p>
+            <a:pPr marL="342900" indent="-342900">
+              <a:buFont typeface="Arial" panose="020B0604020202020204" pitchFamily="34" charset="0"/>
+              <a:buChar char="•"/>
+            </a:pPr>
+            <a:r>
+              <a:rPr lang="en-US" sz="3000" dirty="0"/>
+              <a:t>To convert the files to a data frame we used pandas as well.</a:t>
+            </a:r>
+          </a:p>
+        </p:txBody>
+      </p:sp>
+    </p:spTree>
+    <p:extLst>
+      <p:ext uri="{BB962C8B-B14F-4D97-AF65-F5344CB8AC3E}">
+        <p14:creationId xmlns:p14="http://schemas.microsoft.com/office/powerpoint/2010/main" val="2521491726"/>
+      </p:ext>
+    </p:extLst>
+  </p:cSld>
+  <p:clrMapOvr>
+    <a:masterClrMapping/>
+  </p:clrMapOvr>
+</p:sld>
+</file>
+
+<file path=ppt/slides/slide8.xml><?xml version="1.0" encoding="utf-8"?>
+<p:sld xmlns:a="http://schemas.openxmlformats.org/drawingml/2006/main" xmlns:r="http://schemas.openxmlformats.org/officeDocument/2006/relationships" xmlns:p="http://schemas.openxmlformats.org/presentationml/2006/main">
+  <p:cSld>
+    <p:spTree>
+      <p:nvGrpSpPr>
+        <p:cNvPr id="1" name=""/>
+        <p:cNvGrpSpPr/>
+        <p:nvPr/>
+      </p:nvGrpSpPr>
+      <p:grpSpPr>
+        <a:xfrm>
+          <a:off x="0" y="0"/>
+          <a:ext cx="0" cy="0"/>
+          <a:chOff x="0" y="0"/>
+          <a:chExt cx="0" cy="0"/>
+        </a:xfrm>
+      </p:grpSpPr>
+      <p:pic>
+        <p:nvPicPr>
+          <p:cNvPr id="6" name="Picture 5" descr="A picture containing text, room, scene, gambling house&#10;&#10;Description automatically generated">
+            <a:extLst>
+              <a:ext uri="{FF2B5EF4-FFF2-40B4-BE49-F238E27FC236}">
+                <a16:creationId xmlns:a16="http://schemas.microsoft.com/office/drawing/2014/main" id="{013FC87D-A483-C093-DD6D-C6E463BA702E}"/>
+              </a:ext>
+            </a:extLst>
+          </p:cNvPr>
+          <p:cNvPicPr>
+            <a:picLocks noChangeAspect="1"/>
+          </p:cNvPicPr>
+          <p:nvPr/>
+        </p:nvPicPr>
+        <p:blipFill>
+          <a:blip r:embed="rId2"/>
+          <a:stretch>
+            <a:fillRect/>
+          </a:stretch>
+        </p:blipFill>
+        <p:spPr>
+          <a:xfrm>
+            <a:off x="0" y="22860"/>
+            <a:ext cx="12192000" cy="6835140"/>
+          </a:xfrm>
+          <a:prstGeom prst="rect">
+            <a:avLst/>
+          </a:prstGeom>
+        </p:spPr>
+      </p:pic>
+      <p:sp>
+        <p:nvSpPr>
+          <p:cNvPr id="2" name="Title 1">
+            <a:extLst>
+              <a:ext uri="{FF2B5EF4-FFF2-40B4-BE49-F238E27FC236}">
+                <a16:creationId xmlns:a16="http://schemas.microsoft.com/office/drawing/2014/main" id="{70A1D410-6C6F-B82F-CE48-470CD49FA066}"/>
+              </a:ext>
+            </a:extLst>
+          </p:cNvPr>
+          <p:cNvSpPr>
+            <a:spLocks noGrp="1"/>
+          </p:cNvSpPr>
+          <p:nvPr>
+            <p:ph type="title"/>
+          </p:nvPr>
+        </p:nvSpPr>
+        <p:spPr/>
+        <p:txBody>
+          <a:bodyPr/>
+          <a:lstStyle/>
+          <a:p>
+            <a:r>
+              <a:rPr lang="en-US" dirty="0"/>
+              <a:t>Load</a:t>
+            </a:r>
+          </a:p>
+        </p:txBody>
+      </p:sp>
+      <p:sp>
+        <p:nvSpPr>
+          <p:cNvPr id="3" name="TextBox 2">
+            <a:extLst>
+              <a:ext uri="{FF2B5EF4-FFF2-40B4-BE49-F238E27FC236}">
+                <a16:creationId xmlns:a16="http://schemas.microsoft.com/office/drawing/2014/main" id="{62DD7A40-D121-E8DF-2F92-71D95E255B3E}"/>
+              </a:ext>
+            </a:extLst>
+          </p:cNvPr>
+          <p:cNvSpPr txBox="1"/>
+          <p:nvPr/>
+        </p:nvSpPr>
+        <p:spPr>
+          <a:xfrm>
+            <a:off x="1614488" y="2114549"/>
+            <a:ext cx="7343775" cy="954107"/>
+          </a:xfrm>
+          <a:prstGeom prst="rect">
+            <a:avLst/>
+          </a:prstGeom>
+          <a:solidFill>
+            <a:srgbClr val="FFFFFF"/>
+          </a:solidFill>
+        </p:spPr>
+        <p:txBody>
+          <a:bodyPr wrap="square" rtlCol="0">
+            <a:spAutoFit/>
+          </a:bodyPr>
+          <a:lstStyle/>
+          <a:p>
+            <a:pPr marL="285750" indent="-285750">
+              <a:buFont typeface="Arial" panose="020B0604020202020204" pitchFamily="34" charset="0"/>
+              <a:buChar char="•"/>
+            </a:pPr>
+            <a:r>
+              <a:rPr lang="en-US" sz="2800" dirty="0"/>
+              <a:t>To load the files to a database MongoDB was used</a:t>
+            </a:r>
+          </a:p>
+        </p:txBody>
+      </p:sp>
+      <p:pic>
+        <p:nvPicPr>
+          <p:cNvPr id="8" name="Picture 7" descr="A picture containing graphical user interface&#10;&#10;Description automatically generated">
+            <a:extLst>
+              <a:ext uri="{FF2B5EF4-FFF2-40B4-BE49-F238E27FC236}">
+                <a16:creationId xmlns:a16="http://schemas.microsoft.com/office/drawing/2014/main" id="{5F6273BE-91CF-6D73-4D7E-3EE4DDEBAA64}"/>
+              </a:ext>
+            </a:extLst>
+          </p:cNvPr>
+          <p:cNvPicPr>
+            <a:picLocks noChangeAspect="1"/>
+          </p:cNvPicPr>
+          <p:nvPr/>
+        </p:nvPicPr>
+        <p:blipFill>
+          <a:blip r:embed="rId3"/>
+          <a:stretch>
+            <a:fillRect/>
+          </a:stretch>
+        </p:blipFill>
+        <p:spPr>
+          <a:xfrm>
+            <a:off x="3048000" y="3187700"/>
+            <a:ext cx="6096000" cy="3276600"/>
+          </a:xfrm>
+          <a:prstGeom prst="rect">
+            <a:avLst/>
+          </a:prstGeom>
+        </p:spPr>
+      </p:pic>
+    </p:spTree>
+    <p:extLst>
+      <p:ext uri="{BB962C8B-B14F-4D97-AF65-F5344CB8AC3E}">
+        <p14:creationId xmlns:p14="http://schemas.microsoft.com/office/powerpoint/2010/main" val="146594791"/>
       </p:ext>
     </p:extLst>
   </p:cSld>

--- a/Project 2 (Group 4).pptx
+++ b/Project 2 (Group 4).pptx
@@ -13732,7 +13732,7 @@
                   <a:srgbClr val="FFFFFF"/>
                 </a:solidFill>
               </a:rPr>
-              <a:t>Austin &amp; SA VS. The US</a:t>
+              <a:t>Austin &amp; SA VS. Texas &amp; The US</a:t>
             </a:r>
             <a:endParaRPr lang="en-US" sz="5400" dirty="0">
               <a:solidFill>
@@ -13766,13 +13766,13 @@
         </p:spPr>
         <p:txBody>
           <a:bodyPr>
-            <a:normAutofit fontScale="62500" lnSpcReduction="20000"/>
+            <a:noAutofit/>
           </a:bodyPr>
           <a:lstStyle/>
           <a:p>
             <a:pPr algn="l"/>
             <a:r>
-              <a:rPr lang="en-US" sz="2200" dirty="0">
+              <a:rPr lang="en-US" sz="1800" dirty="0">
                 <a:solidFill>
                   <a:srgbClr val="FFFFFF"/>
                 </a:solidFill>
@@ -13783,7 +13783,7 @@
           <a:p>
             <a:pPr algn="l"/>
             <a:r>
-              <a:rPr lang="en-US" sz="2200" dirty="0">
+              <a:rPr lang="en-US" sz="1800" dirty="0">
                 <a:solidFill>
                   <a:srgbClr val="FFFFFF"/>
                 </a:solidFill>
@@ -13791,14 +13791,14 @@
               <a:t>Christopher </a:t>
             </a:r>
             <a:r>
-              <a:rPr lang="en-US" sz="2200" dirty="0" err="1">
+              <a:rPr lang="en-US" sz="1800" dirty="0" err="1">
                 <a:solidFill>
                   <a:srgbClr val="FFFFFF"/>
                 </a:solidFill>
               </a:rPr>
               <a:t>Stecki</a:t>
             </a:r>
-            <a:endParaRPr lang="en-US" sz="2200" dirty="0">
+            <a:endParaRPr lang="en-US" sz="1800" dirty="0">
               <a:solidFill>
                 <a:srgbClr val="FFFFFF"/>
               </a:solidFill>
@@ -13807,7 +13807,7 @@
           <a:p>
             <a:pPr algn="l"/>
             <a:r>
-              <a:rPr lang="en-US" sz="2200" dirty="0">
+              <a:rPr lang="en-US" sz="1800" dirty="0">
                 <a:solidFill>
                   <a:srgbClr val="FFFFFF"/>
                 </a:solidFill>
@@ -13818,26 +13818,13 @@
           <a:p>
             <a:pPr algn="l"/>
             <a:r>
-              <a:rPr lang="en-US" sz="2200" dirty="0">
+              <a:rPr lang="en-US" sz="1800" dirty="0">
                 <a:solidFill>
                   <a:srgbClr val="FFFFFF"/>
                 </a:solidFill>
               </a:rPr>
-              <a:t>Jordan </a:t>
+              <a:t>Jordan Tellez</a:t>
             </a:r>
-            <a:r>
-              <a:rPr lang="en-US" sz="2200" dirty="0" err="1">
-                <a:solidFill>
-                  <a:srgbClr val="FFFFFF"/>
-                </a:solidFill>
-              </a:rPr>
-              <a:t>Telley</a:t>
-            </a:r>
-            <a:endParaRPr lang="en-US" sz="2200" dirty="0">
-              <a:solidFill>
-                <a:srgbClr val="FFFFFF"/>
-              </a:solidFill>
-            </a:endParaRPr>
           </a:p>
         </p:txBody>
       </p:sp>
@@ -17720,8 +17707,21 @@
                   <a:schemeClr val="bg1"/>
                 </a:solidFill>
               </a:rPr>
-              <a:t>We will be looking at the home sales of Austin and San Antonio from 2008 on through scrapes from MongoDB and </a:t>
+              <a:t>We will be looking at the home sales of Austin and San Antonio from 2008 on and how we were able to use ETL to create a database off of </a:t>
             </a:r>
+            <a:r>
+              <a:rPr lang="en-US" sz="3200">
+                <a:solidFill>
+                  <a:schemeClr val="bg1"/>
+                </a:solidFill>
+              </a:rPr>
+              <a:t>that information.</a:t>
+            </a:r>
+            <a:endParaRPr lang="en-US" sz="3200" dirty="0">
+              <a:solidFill>
+                <a:schemeClr val="bg1"/>
+              </a:solidFill>
+            </a:endParaRPr>
           </a:p>
         </p:txBody>
       </p:sp>
